--- a/2020年度/技术智囊第2期 Kubernetes的那些事/Kubernetes的那些事.pptx
+++ b/2020年度/技术智囊第2期 Kubernetes的那些事/Kubernetes的那些事.pptx
@@ -5,16 +5,16 @@
     <p:sldMasterId id="2147483648" r:id="rId1"/>
   </p:sldMasterIdLst>
   <p:notesMasterIdLst>
-    <p:notesMasterId r:id="rId8"/>
+    <p:notesMasterId r:id="rId9"/>
   </p:notesMasterIdLst>
   <p:sldIdLst>
-    <p:sldId id="256" r:id="rId3"/>
-    <p:sldId id="257" r:id="rId4"/>
-    <p:sldId id="258" r:id="rId5"/>
-    <p:sldId id="261" r:id="rId6"/>
-    <p:sldId id="262" r:id="rId7"/>
-    <p:sldId id="259" r:id="rId9"/>
-    <p:sldId id="260" r:id="rId10"/>
+    <p:sldId id="256" r:id="rId2"/>
+    <p:sldId id="257" r:id="rId3"/>
+    <p:sldId id="258" r:id="rId4"/>
+    <p:sldId id="261" r:id="rId5"/>
+    <p:sldId id="262" r:id="rId6"/>
+    <p:sldId id="259" r:id="rId7"/>
+    <p:sldId id="260" r:id="rId8"/>
   </p:sldIdLst>
   <p:sldSz cx="12192000" cy="6858000"/>
   <p:notesSz cx="6858000" cy="9144000"/>
@@ -113,6 +113,22 @@
       </a:defRPr>
     </a:lvl9pPr>
   </p:defaultTextStyle>
+  <p:extLst>
+    <p:ext uri="{EFAFB233-063F-42B5-8137-9DF3F51BA10A}">
+      <p15:sldGuideLst xmlns:p15="http://schemas.microsoft.com/office/powerpoint/2012/main">
+        <p15:guide id="1" orient="horz" pos="2160">
+          <p15:clr>
+            <a:srgbClr val="A4A3A4"/>
+          </p15:clr>
+        </p15:guide>
+        <p15:guide id="2" pos="3840">
+          <p15:clr>
+            <a:srgbClr val="A4A3A4"/>
+          </p15:clr>
+        </p15:guide>
+      </p15:sldGuideLst>
+    </p:ext>
+  </p:extLst>
 </p:presentation>
 </file>
 
@@ -198,6 +214,7 @@
           <a:p>
             <a:fld id="{6DB70998-CD02-48D7-AEBF-26DEABEC39D4}" type="datetimeFigureOut">
               <a:rPr lang="zh-CN" altLang="en-US" smtClean="0"/>
+              <a:t>2020/11/23</a:t>
             </a:fld>
             <a:endParaRPr lang="zh-CN" altLang="en-US"/>
           </a:p>
@@ -264,7 +281,6 @@
               <a:rPr lang="zh-CN" altLang="en-US" smtClean="0"/>
               <a:t>编辑母版文本样式</a:t>
             </a:r>
-            <a:endParaRPr lang="zh-CN" altLang="en-US" smtClean="0"/>
           </a:p>
           <a:p>
             <a:pPr lvl="1"/>
@@ -272,7 +288,6 @@
               <a:rPr lang="zh-CN" altLang="en-US" smtClean="0"/>
               <a:t>第二级</a:t>
             </a:r>
-            <a:endParaRPr lang="zh-CN" altLang="en-US" smtClean="0"/>
           </a:p>
           <a:p>
             <a:pPr lvl="2"/>
@@ -280,7 +295,6 @@
               <a:rPr lang="zh-CN" altLang="en-US" smtClean="0"/>
               <a:t>第三级</a:t>
             </a:r>
-            <a:endParaRPr lang="zh-CN" altLang="en-US" smtClean="0"/>
           </a:p>
           <a:p>
             <a:pPr lvl="3"/>
@@ -288,7 +302,6 @@
               <a:rPr lang="zh-CN" altLang="en-US" smtClean="0"/>
               <a:t>第四级</a:t>
             </a:r>
-            <a:endParaRPr lang="zh-CN" altLang="en-US" smtClean="0"/>
           </a:p>
           <a:p>
             <a:pPr lvl="4"/>
@@ -360,6 +373,7 @@
           <a:p>
             <a:fld id="{C04F820D-3C42-4BDF-8885-0498977742CE}" type="slidenum">
               <a:rPr lang="zh-CN" altLang="en-US" smtClean="0"/>
+              <a:t>‹#›</a:t>
             </a:fld>
             <a:endParaRPr lang="zh-CN" altLang="en-US"/>
           </a:p>
@@ -528,6 +542,7 @@
           <a:p>
             <a:fld id="{C04F820D-3C42-4BDF-8885-0498977742CE}" type="slidenum">
               <a:rPr lang="zh-CN" altLang="en-US" smtClean="0"/>
+              <a:t>5</a:t>
             </a:fld>
             <a:endParaRPr lang="zh-CN" altLang="en-US"/>
           </a:p>
@@ -672,6 +687,7 @@
           <a:p>
             <a:fld id="{C5E15DF1-A83E-4D22-9D48-250DB5CE569B}" type="datetimeFigureOut">
               <a:rPr lang="zh-CN" altLang="en-US" smtClean="0"/>
+              <a:t>2020/11/23</a:t>
             </a:fld>
             <a:endParaRPr lang="zh-CN" altLang="en-US"/>
           </a:p>
@@ -713,6 +729,7 @@
           <a:p>
             <a:fld id="{F79AADE8-E3C0-427F-8B1E-F43843FFA3B2}" type="slidenum">
               <a:rPr lang="zh-CN" altLang="en-US" smtClean="0"/>
+              <a:t>‹#›</a:t>
             </a:fld>
             <a:endParaRPr lang="zh-CN" altLang="en-US"/>
           </a:p>
@@ -786,7 +803,6 @@
               <a:rPr lang="zh-CN" altLang="en-US" smtClean="0"/>
               <a:t>编辑母版文本样式</a:t>
             </a:r>
-            <a:endParaRPr lang="zh-CN" altLang="en-US" smtClean="0"/>
           </a:p>
           <a:p>
             <a:pPr lvl="1"/>
@@ -794,7 +810,6 @@
               <a:rPr lang="zh-CN" altLang="en-US" smtClean="0"/>
               <a:t>第二级</a:t>
             </a:r>
-            <a:endParaRPr lang="zh-CN" altLang="en-US" smtClean="0"/>
           </a:p>
           <a:p>
             <a:pPr lvl="2"/>
@@ -802,7 +817,6 @@
               <a:rPr lang="zh-CN" altLang="en-US" smtClean="0"/>
               <a:t>第三级</a:t>
             </a:r>
-            <a:endParaRPr lang="zh-CN" altLang="en-US" smtClean="0"/>
           </a:p>
           <a:p>
             <a:pPr lvl="3"/>
@@ -810,7 +824,6 @@
               <a:rPr lang="zh-CN" altLang="en-US" smtClean="0"/>
               <a:t>第四级</a:t>
             </a:r>
-            <a:endParaRPr lang="zh-CN" altLang="en-US" smtClean="0"/>
           </a:p>
           <a:p>
             <a:pPr lvl="4"/>
@@ -839,6 +852,7 @@
           <a:p>
             <a:fld id="{C5E15DF1-A83E-4D22-9D48-250DB5CE569B}" type="datetimeFigureOut">
               <a:rPr lang="zh-CN" altLang="en-US" smtClean="0"/>
+              <a:t>2020/11/23</a:t>
             </a:fld>
             <a:endParaRPr lang="zh-CN" altLang="en-US"/>
           </a:p>
@@ -880,6 +894,7 @@
           <a:p>
             <a:fld id="{F79AADE8-E3C0-427F-8B1E-F43843FFA3B2}" type="slidenum">
               <a:rPr lang="zh-CN" altLang="en-US" smtClean="0"/>
+              <a:t>‹#›</a:t>
             </a:fld>
             <a:endParaRPr lang="zh-CN" altLang="en-US"/>
           </a:p>
@@ -963,7 +978,6 @@
               <a:rPr lang="zh-CN" altLang="en-US" smtClean="0"/>
               <a:t>编辑母版文本样式</a:t>
             </a:r>
-            <a:endParaRPr lang="zh-CN" altLang="en-US" smtClean="0"/>
           </a:p>
           <a:p>
             <a:pPr lvl="1"/>
@@ -971,7 +985,6 @@
               <a:rPr lang="zh-CN" altLang="en-US" smtClean="0"/>
               <a:t>第二级</a:t>
             </a:r>
-            <a:endParaRPr lang="zh-CN" altLang="en-US" smtClean="0"/>
           </a:p>
           <a:p>
             <a:pPr lvl="2"/>
@@ -979,7 +992,6 @@
               <a:rPr lang="zh-CN" altLang="en-US" smtClean="0"/>
               <a:t>第三级</a:t>
             </a:r>
-            <a:endParaRPr lang="zh-CN" altLang="en-US" smtClean="0"/>
           </a:p>
           <a:p>
             <a:pPr lvl="3"/>
@@ -987,7 +999,6 @@
               <a:rPr lang="zh-CN" altLang="en-US" smtClean="0"/>
               <a:t>第四级</a:t>
             </a:r>
-            <a:endParaRPr lang="zh-CN" altLang="en-US" smtClean="0"/>
           </a:p>
           <a:p>
             <a:pPr lvl="4"/>
@@ -1016,6 +1027,7 @@
           <a:p>
             <a:fld id="{C5E15DF1-A83E-4D22-9D48-250DB5CE569B}" type="datetimeFigureOut">
               <a:rPr lang="zh-CN" altLang="en-US" smtClean="0"/>
+              <a:t>2020/11/23</a:t>
             </a:fld>
             <a:endParaRPr lang="zh-CN" altLang="en-US"/>
           </a:p>
@@ -1057,6 +1069,7 @@
           <a:p>
             <a:fld id="{F79AADE8-E3C0-427F-8B1E-F43843FFA3B2}" type="slidenum">
               <a:rPr lang="zh-CN" altLang="en-US" smtClean="0"/>
+              <a:t>‹#›</a:t>
             </a:fld>
             <a:endParaRPr lang="zh-CN" altLang="en-US"/>
           </a:p>
@@ -1130,7 +1143,6 @@
               <a:rPr lang="zh-CN" altLang="en-US" smtClean="0"/>
               <a:t>编辑母版文本样式</a:t>
             </a:r>
-            <a:endParaRPr lang="zh-CN" altLang="en-US" smtClean="0"/>
           </a:p>
           <a:p>
             <a:pPr lvl="1"/>
@@ -1138,7 +1150,6 @@
               <a:rPr lang="zh-CN" altLang="en-US" smtClean="0"/>
               <a:t>第二级</a:t>
             </a:r>
-            <a:endParaRPr lang="zh-CN" altLang="en-US" smtClean="0"/>
           </a:p>
           <a:p>
             <a:pPr lvl="2"/>
@@ -1146,7 +1157,6 @@
               <a:rPr lang="zh-CN" altLang="en-US" smtClean="0"/>
               <a:t>第三级</a:t>
             </a:r>
-            <a:endParaRPr lang="zh-CN" altLang="en-US" smtClean="0"/>
           </a:p>
           <a:p>
             <a:pPr lvl="3"/>
@@ -1154,7 +1164,6 @@
               <a:rPr lang="zh-CN" altLang="en-US" smtClean="0"/>
               <a:t>第四级</a:t>
             </a:r>
-            <a:endParaRPr lang="zh-CN" altLang="en-US" smtClean="0"/>
           </a:p>
           <a:p>
             <a:pPr lvl="4"/>
@@ -1183,6 +1192,7 @@
           <a:p>
             <a:fld id="{C5E15DF1-A83E-4D22-9D48-250DB5CE569B}" type="datetimeFigureOut">
               <a:rPr lang="zh-CN" altLang="en-US" smtClean="0"/>
+              <a:t>2020/11/23</a:t>
             </a:fld>
             <a:endParaRPr lang="zh-CN" altLang="en-US"/>
           </a:p>
@@ -1224,6 +1234,7 @@
           <a:p>
             <a:fld id="{F79AADE8-E3C0-427F-8B1E-F43843FFA3B2}" type="slidenum">
               <a:rPr lang="zh-CN" altLang="en-US" smtClean="0"/>
+              <a:t>‹#›</a:t>
             </a:fld>
             <a:endParaRPr lang="zh-CN" altLang="en-US"/>
           </a:p>
@@ -1402,7 +1413,6 @@
               <a:rPr lang="zh-CN" altLang="en-US" smtClean="0"/>
               <a:t>编辑母版文本样式</a:t>
             </a:r>
-            <a:endParaRPr lang="zh-CN" altLang="en-US" smtClean="0"/>
           </a:p>
         </p:txBody>
       </p:sp>
@@ -1423,6 +1433,7 @@
           <a:p>
             <a:fld id="{C5E15DF1-A83E-4D22-9D48-250DB5CE569B}" type="datetimeFigureOut">
               <a:rPr lang="zh-CN" altLang="en-US" smtClean="0"/>
+              <a:t>2020/11/23</a:t>
             </a:fld>
             <a:endParaRPr lang="zh-CN" altLang="en-US"/>
           </a:p>
@@ -1464,6 +1475,7 @@
           <a:p>
             <a:fld id="{F79AADE8-E3C0-427F-8B1E-F43843FFA3B2}" type="slidenum">
               <a:rPr lang="zh-CN" altLang="en-US" smtClean="0"/>
+              <a:t>‹#›</a:t>
             </a:fld>
             <a:endParaRPr lang="zh-CN" altLang="en-US"/>
           </a:p>
@@ -1542,7 +1554,6 @@
               <a:rPr lang="zh-CN" altLang="en-US" smtClean="0"/>
               <a:t>编辑母版文本样式</a:t>
             </a:r>
-            <a:endParaRPr lang="zh-CN" altLang="en-US" smtClean="0"/>
           </a:p>
           <a:p>
             <a:pPr lvl="1"/>
@@ -1550,7 +1561,6 @@
               <a:rPr lang="zh-CN" altLang="en-US" smtClean="0"/>
               <a:t>第二级</a:t>
             </a:r>
-            <a:endParaRPr lang="zh-CN" altLang="en-US" smtClean="0"/>
           </a:p>
           <a:p>
             <a:pPr lvl="2"/>
@@ -1558,7 +1568,6 @@
               <a:rPr lang="zh-CN" altLang="en-US" smtClean="0"/>
               <a:t>第三级</a:t>
             </a:r>
-            <a:endParaRPr lang="zh-CN" altLang="en-US" smtClean="0"/>
           </a:p>
           <a:p>
             <a:pPr lvl="3"/>
@@ -1566,7 +1575,6 @@
               <a:rPr lang="zh-CN" altLang="en-US" smtClean="0"/>
               <a:t>第四级</a:t>
             </a:r>
-            <a:endParaRPr lang="zh-CN" altLang="en-US" smtClean="0"/>
           </a:p>
           <a:p>
             <a:pPr lvl="4"/>
@@ -1603,7 +1611,6 @@
               <a:rPr lang="zh-CN" altLang="en-US" smtClean="0"/>
               <a:t>编辑母版文本样式</a:t>
             </a:r>
-            <a:endParaRPr lang="zh-CN" altLang="en-US" smtClean="0"/>
           </a:p>
           <a:p>
             <a:pPr lvl="1"/>
@@ -1611,7 +1618,6 @@
               <a:rPr lang="zh-CN" altLang="en-US" smtClean="0"/>
               <a:t>第二级</a:t>
             </a:r>
-            <a:endParaRPr lang="zh-CN" altLang="en-US" smtClean="0"/>
           </a:p>
           <a:p>
             <a:pPr lvl="2"/>
@@ -1619,7 +1625,6 @@
               <a:rPr lang="zh-CN" altLang="en-US" smtClean="0"/>
               <a:t>第三级</a:t>
             </a:r>
-            <a:endParaRPr lang="zh-CN" altLang="en-US" smtClean="0"/>
           </a:p>
           <a:p>
             <a:pPr lvl="3"/>
@@ -1627,7 +1632,6 @@
               <a:rPr lang="zh-CN" altLang="en-US" smtClean="0"/>
               <a:t>第四级</a:t>
             </a:r>
-            <a:endParaRPr lang="zh-CN" altLang="en-US" smtClean="0"/>
           </a:p>
           <a:p>
             <a:pPr lvl="4"/>
@@ -1656,6 +1660,7 @@
           <a:p>
             <a:fld id="{C5E15DF1-A83E-4D22-9D48-250DB5CE569B}" type="datetimeFigureOut">
               <a:rPr lang="zh-CN" altLang="en-US" smtClean="0"/>
+              <a:t>2020/11/23</a:t>
             </a:fld>
             <a:endParaRPr lang="zh-CN" altLang="en-US"/>
           </a:p>
@@ -1697,6 +1702,7 @@
           <a:p>
             <a:fld id="{F79AADE8-E3C0-427F-8B1E-F43843FFA3B2}" type="slidenum">
               <a:rPr lang="zh-CN" altLang="en-US" smtClean="0"/>
+              <a:t>‹#›</a:t>
             </a:fld>
             <a:endParaRPr lang="zh-CN" altLang="en-US"/>
           </a:p>
@@ -1817,7 +1823,6 @@
               <a:rPr lang="zh-CN" altLang="en-US" smtClean="0"/>
               <a:t>编辑母版文本样式</a:t>
             </a:r>
-            <a:endParaRPr lang="zh-CN" altLang="en-US" smtClean="0"/>
           </a:p>
         </p:txBody>
       </p:sp>
@@ -1846,7 +1851,6 @@
               <a:rPr lang="zh-CN" altLang="en-US" smtClean="0"/>
               <a:t>编辑母版文本样式</a:t>
             </a:r>
-            <a:endParaRPr lang="zh-CN" altLang="en-US" smtClean="0"/>
           </a:p>
           <a:p>
             <a:pPr lvl="1"/>
@@ -1854,7 +1858,6 @@
               <a:rPr lang="zh-CN" altLang="en-US" smtClean="0"/>
               <a:t>第二级</a:t>
             </a:r>
-            <a:endParaRPr lang="zh-CN" altLang="en-US" smtClean="0"/>
           </a:p>
           <a:p>
             <a:pPr lvl="2"/>
@@ -1862,7 +1865,6 @@
               <a:rPr lang="zh-CN" altLang="en-US" smtClean="0"/>
               <a:t>第三级</a:t>
             </a:r>
-            <a:endParaRPr lang="zh-CN" altLang="en-US" smtClean="0"/>
           </a:p>
           <a:p>
             <a:pPr lvl="3"/>
@@ -1870,7 +1872,6 @@
               <a:rPr lang="zh-CN" altLang="en-US" smtClean="0"/>
               <a:t>第四级</a:t>
             </a:r>
-            <a:endParaRPr lang="zh-CN" altLang="en-US" smtClean="0"/>
           </a:p>
           <a:p>
             <a:pPr lvl="4"/>
@@ -1944,7 +1945,6 @@
               <a:rPr lang="zh-CN" altLang="en-US" smtClean="0"/>
               <a:t>编辑母版文本样式</a:t>
             </a:r>
-            <a:endParaRPr lang="zh-CN" altLang="en-US" smtClean="0"/>
           </a:p>
         </p:txBody>
       </p:sp>
@@ -1973,7 +1973,6 @@
               <a:rPr lang="zh-CN" altLang="en-US" smtClean="0"/>
               <a:t>编辑母版文本样式</a:t>
             </a:r>
-            <a:endParaRPr lang="zh-CN" altLang="en-US" smtClean="0"/>
           </a:p>
           <a:p>
             <a:pPr lvl="1"/>
@@ -1981,7 +1980,6 @@
               <a:rPr lang="zh-CN" altLang="en-US" smtClean="0"/>
               <a:t>第二级</a:t>
             </a:r>
-            <a:endParaRPr lang="zh-CN" altLang="en-US" smtClean="0"/>
           </a:p>
           <a:p>
             <a:pPr lvl="2"/>
@@ -1989,7 +1987,6 @@
               <a:rPr lang="zh-CN" altLang="en-US" smtClean="0"/>
               <a:t>第三级</a:t>
             </a:r>
-            <a:endParaRPr lang="zh-CN" altLang="en-US" smtClean="0"/>
           </a:p>
           <a:p>
             <a:pPr lvl="3"/>
@@ -1997,7 +1994,6 @@
               <a:rPr lang="zh-CN" altLang="en-US" smtClean="0"/>
               <a:t>第四级</a:t>
             </a:r>
-            <a:endParaRPr lang="zh-CN" altLang="en-US" smtClean="0"/>
           </a:p>
           <a:p>
             <a:pPr lvl="4"/>
@@ -2026,6 +2022,7 @@
           <a:p>
             <a:fld id="{C5E15DF1-A83E-4D22-9D48-250DB5CE569B}" type="datetimeFigureOut">
               <a:rPr lang="zh-CN" altLang="en-US" smtClean="0"/>
+              <a:t>2020/11/23</a:t>
             </a:fld>
             <a:endParaRPr lang="zh-CN" altLang="en-US"/>
           </a:p>
@@ -2067,6 +2064,7 @@
           <a:p>
             <a:fld id="{F79AADE8-E3C0-427F-8B1E-F43843FFA3B2}" type="slidenum">
               <a:rPr lang="zh-CN" altLang="en-US" smtClean="0"/>
+              <a:t>‹#›</a:t>
             </a:fld>
             <a:endParaRPr lang="zh-CN" altLang="en-US"/>
           </a:p>
@@ -2137,6 +2135,7 @@
           <a:p>
             <a:fld id="{C5E15DF1-A83E-4D22-9D48-250DB5CE569B}" type="datetimeFigureOut">
               <a:rPr lang="zh-CN" altLang="en-US" smtClean="0"/>
+              <a:t>2020/11/23</a:t>
             </a:fld>
             <a:endParaRPr lang="zh-CN" altLang="en-US"/>
           </a:p>
@@ -2178,6 +2177,7 @@
           <a:p>
             <a:fld id="{F79AADE8-E3C0-427F-8B1E-F43843FFA3B2}" type="slidenum">
               <a:rPr lang="zh-CN" altLang="en-US" smtClean="0"/>
+              <a:t>‹#›</a:t>
             </a:fld>
             <a:endParaRPr lang="zh-CN" altLang="en-US"/>
           </a:p>
@@ -2225,6 +2225,7 @@
           <a:p>
             <a:fld id="{C5E15DF1-A83E-4D22-9D48-250DB5CE569B}" type="datetimeFigureOut">
               <a:rPr lang="zh-CN" altLang="en-US" smtClean="0"/>
+              <a:t>2020/11/23</a:t>
             </a:fld>
             <a:endParaRPr lang="zh-CN" altLang="en-US"/>
           </a:p>
@@ -2266,6 +2267,7 @@
           <a:p>
             <a:fld id="{F79AADE8-E3C0-427F-8B1E-F43843FFA3B2}" type="slidenum">
               <a:rPr lang="zh-CN" altLang="en-US" smtClean="0"/>
+              <a:t>‹#›</a:t>
             </a:fld>
             <a:endParaRPr lang="zh-CN" altLang="en-US"/>
           </a:p>
@@ -2381,7 +2383,6 @@
               <a:rPr lang="zh-CN" altLang="en-US" smtClean="0"/>
               <a:t>编辑母版文本样式</a:t>
             </a:r>
-            <a:endParaRPr lang="zh-CN" altLang="en-US" smtClean="0"/>
           </a:p>
           <a:p>
             <a:pPr lvl="1"/>
@@ -2389,7 +2390,6 @@
               <a:rPr lang="zh-CN" altLang="en-US" smtClean="0"/>
               <a:t>第二级</a:t>
             </a:r>
-            <a:endParaRPr lang="zh-CN" altLang="en-US" smtClean="0"/>
           </a:p>
           <a:p>
             <a:pPr lvl="2"/>
@@ -2397,7 +2397,6 @@
               <a:rPr lang="zh-CN" altLang="en-US" smtClean="0"/>
               <a:t>第三级</a:t>
             </a:r>
-            <a:endParaRPr lang="zh-CN" altLang="en-US" smtClean="0"/>
           </a:p>
           <a:p>
             <a:pPr lvl="3"/>
@@ -2405,7 +2404,6 @@
               <a:rPr lang="zh-CN" altLang="en-US" smtClean="0"/>
               <a:t>第四级</a:t>
             </a:r>
-            <a:endParaRPr lang="zh-CN" altLang="en-US" smtClean="0"/>
           </a:p>
           <a:p>
             <a:pPr lvl="4"/>
@@ -2479,7 +2477,6 @@
               <a:rPr lang="zh-CN" altLang="en-US" smtClean="0"/>
               <a:t>编辑母版文本样式</a:t>
             </a:r>
-            <a:endParaRPr lang="zh-CN" altLang="en-US" smtClean="0"/>
           </a:p>
         </p:txBody>
       </p:sp>
@@ -2500,6 +2497,7 @@
           <a:p>
             <a:fld id="{C5E15DF1-A83E-4D22-9D48-250DB5CE569B}" type="datetimeFigureOut">
               <a:rPr lang="zh-CN" altLang="en-US" smtClean="0"/>
+              <a:t>2020/11/23</a:t>
             </a:fld>
             <a:endParaRPr lang="zh-CN" altLang="en-US"/>
           </a:p>
@@ -2541,6 +2539,7 @@
           <a:p>
             <a:fld id="{F79AADE8-E3C0-427F-8B1E-F43843FFA3B2}" type="slidenum">
               <a:rPr lang="zh-CN" altLang="en-US" smtClean="0"/>
+              <a:t>‹#›</a:t>
             </a:fld>
             <a:endParaRPr lang="zh-CN" altLang="en-US"/>
           </a:p>
@@ -2726,7 +2725,6 @@
               <a:rPr lang="zh-CN" altLang="en-US" smtClean="0"/>
               <a:t>编辑母版文本样式</a:t>
             </a:r>
-            <a:endParaRPr lang="zh-CN" altLang="en-US" smtClean="0"/>
           </a:p>
         </p:txBody>
       </p:sp>
@@ -2747,6 +2745,7 @@
           <a:p>
             <a:fld id="{C5E15DF1-A83E-4D22-9D48-250DB5CE569B}" type="datetimeFigureOut">
               <a:rPr lang="zh-CN" altLang="en-US" smtClean="0"/>
+              <a:t>2020/11/23</a:t>
             </a:fld>
             <a:endParaRPr lang="zh-CN" altLang="en-US"/>
           </a:p>
@@ -2788,6 +2787,7 @@
           <a:p>
             <a:fld id="{F79AADE8-E3C0-427F-8B1E-F43843FFA3B2}" type="slidenum">
               <a:rPr lang="zh-CN" altLang="en-US" smtClean="0"/>
+              <a:t>‹#›</a:t>
             </a:fld>
             <a:endParaRPr lang="zh-CN" altLang="en-US"/>
           </a:p>
@@ -2886,7 +2886,6 @@
               <a:rPr lang="zh-CN" altLang="en-US" smtClean="0"/>
               <a:t>编辑母版文本样式</a:t>
             </a:r>
-            <a:endParaRPr lang="zh-CN" altLang="en-US" smtClean="0"/>
           </a:p>
           <a:p>
             <a:pPr lvl="1"/>
@@ -2894,7 +2893,6 @@
               <a:rPr lang="zh-CN" altLang="en-US" smtClean="0"/>
               <a:t>第二级</a:t>
             </a:r>
-            <a:endParaRPr lang="zh-CN" altLang="en-US" smtClean="0"/>
           </a:p>
           <a:p>
             <a:pPr lvl="2"/>
@@ -2902,7 +2900,6 @@
               <a:rPr lang="zh-CN" altLang="en-US" smtClean="0"/>
               <a:t>第三级</a:t>
             </a:r>
-            <a:endParaRPr lang="zh-CN" altLang="en-US" smtClean="0"/>
           </a:p>
           <a:p>
             <a:pPr lvl="3"/>
@@ -2910,7 +2907,6 @@
               <a:rPr lang="zh-CN" altLang="en-US" smtClean="0"/>
               <a:t>第四级</a:t>
             </a:r>
-            <a:endParaRPr lang="zh-CN" altLang="en-US" smtClean="0"/>
           </a:p>
           <a:p>
             <a:pPr lvl="4"/>
@@ -2957,6 +2953,7 @@
           <a:p>
             <a:fld id="{C5E15DF1-A83E-4D22-9D48-250DB5CE569B}" type="datetimeFigureOut">
               <a:rPr lang="zh-CN" altLang="en-US" smtClean="0"/>
+              <a:t>2020/11/23</a:t>
             </a:fld>
             <a:endParaRPr lang="zh-CN" altLang="en-US"/>
           </a:p>
@@ -3034,6 +3031,7 @@
           <a:p>
             <a:fld id="{F79AADE8-E3C0-427F-8B1E-F43843FFA3B2}" type="slidenum">
               <a:rPr lang="zh-CN" altLang="en-US" smtClean="0"/>
+              <a:t>‹#›</a:t>
             </a:fld>
             <a:endParaRPr lang="zh-CN" altLang="en-US"/>
           </a:p>
@@ -3433,7 +3431,7 @@
                 <a:latin typeface="华文楷体" panose="02010600040101010101" pitchFamily="2" charset="-122"/>
                 <a:ea typeface="华文楷体" panose="02010600040101010101" pitchFamily="2" charset="-122"/>
               </a:rPr>
-              <a:t> 刘鹏成</a:t>
+              <a:t> </a:t>
             </a:r>
             <a:endParaRPr lang="zh-CN" altLang="en-US" sz="2000" dirty="0">
               <a:latin typeface="华文楷体" panose="02010600040101010101" pitchFamily="2" charset="-122"/>
@@ -3451,7 +3449,7 @@
           <p:nvPr/>
         </p:nvPicPr>
         <p:blipFill>
-          <a:blip r:embed="rId1">
+          <a:blip r:embed="rId2">
             <a:extLst>
               <a:ext uri="{28A0092B-C50C-407E-A947-70E740481C1C}">
                 <a14:useLocalDpi xmlns:a14="http://schemas.microsoft.com/office/drawing/2010/main" val="0"/>
@@ -3547,7 +3545,7 @@
           <p:nvPr/>
         </p:nvPicPr>
         <p:blipFill>
-          <a:blip r:embed="rId1"/>
+          <a:blip r:embed="rId2"/>
           <a:stretch>
             <a:fillRect/>
           </a:stretch>
@@ -3571,7 +3569,7 @@
           <p:nvPr/>
         </p:nvPicPr>
         <p:blipFill>
-          <a:blip r:embed="rId2"/>
+          <a:blip r:embed="rId3"/>
           <a:stretch>
             <a:fillRect/>
           </a:stretch>
@@ -3645,7 +3643,6 @@
               <a:rPr lang="zh-CN" altLang="en-US" dirty="0"/>
               <a:t>图</a:t>
             </a:r>
-            <a:endParaRPr lang="zh-CN" altLang="en-US" dirty="0"/>
           </a:p>
         </p:txBody>
       </p:sp>
@@ -3658,7 +3655,7 @@
           <p:nvPr/>
         </p:nvPicPr>
         <p:blipFill rotWithShape="1">
-          <a:blip r:embed="rId1"/>
+          <a:blip r:embed="rId2"/>
           <a:srcRect t="2859" r="2174"/>
           <a:stretch>
             <a:fillRect/>
@@ -3717,7 +3714,7 @@
           </p:nvPr>
         </p:nvPicPr>
         <p:blipFill>
-          <a:blip r:embed="rId1">
+          <a:blip r:embed="rId2">
             <a:extLst>
               <a:ext uri="{28A0092B-C50C-407E-A947-70E740481C1C}">
                 <a14:useLocalDpi xmlns:a14="http://schemas.microsoft.com/office/drawing/2010/main" val="0"/>
@@ -3828,7 +3825,7 @@
           <p:nvPr/>
         </p:nvPicPr>
         <p:blipFill rotWithShape="1">
-          <a:blip r:embed="rId1">
+          <a:blip r:embed="rId3">
             <a:extLst>
               <a:ext uri="{28A0092B-C50C-407E-A947-70E740481C1C}">
                 <a14:useLocalDpi xmlns:a14="http://schemas.microsoft.com/office/drawing/2010/main" val="0"/>
@@ -3924,7 +3921,7 @@
           <p:nvPr/>
         </p:nvPicPr>
         <p:blipFill>
-          <a:blip r:embed="rId1">
+          <a:blip r:embed="rId2">
             <a:extLst>
               <a:ext uri="{28A0092B-C50C-407E-A947-70E740481C1C}">
                 <a14:useLocalDpi xmlns:a14="http://schemas.microsoft.com/office/drawing/2010/main" val="0"/>
@@ -4336,6 +4333,8 @@
       </a:bgFillStyleLst>
     </a:fmtScheme>
   </a:themeElements>
+  <a:objectDefaults/>
+  <a:extraClrSchemeLst/>
   <a:extLst>
     <a:ext uri="{05A4C25C-085E-4340-85A3-A5531E510DB2}">
       <thm15:themeFamily xmlns:thm15="http://schemas.microsoft.com/office/thememl/2012/main" name="Office Theme" id="{62F939B6-93AF-4DB8-9C6B-D6C7DFDC589F}" vid="{4A3C46E8-61CC-4603-A589-7422A47A8E4A}"/>
@@ -4595,6 +4594,8 @@
       </a:bgFillStyleLst>
     </a:fmtScheme>
   </a:themeElements>
+  <a:objectDefaults/>
+  <a:extraClrSchemeLst/>
   <a:extLst>
     <a:ext uri="{05A4C25C-085E-4340-85A3-A5531E510DB2}">
       <thm15:themeFamily xmlns:thm15="http://schemas.microsoft.com/office/thememl/2012/main" name="Office Theme" id="{62F939B6-93AF-4DB8-9C6B-D6C7DFDC589F}" vid="{4A3C46E8-61CC-4603-A589-7422A47A8E4A}"/>
